--- a/ppt 16-9/0977.向主尽忠.pptx
+++ b/ppt 16-9/0977.向主尽忠.pptx
@@ -5,7 +5,7 @@
     <p:sldMasterId id="2147483648" r:id="rId1"/>
   </p:sldMasterIdLst>
   <p:sldIdLst>
-    <p:sldId id="377" r:id="rId2"/>
+    <p:sldId id="378" r:id="rId2"/>
   </p:sldIdLst>
   <p:sldSz cx="12192000" cy="6858000"/>
   <p:notesSz cx="6858000" cy="9144000"/>
@@ -129,7 +129,7 @@
           <p:cNvPr id="2" name="标题 1">
             <a:extLst>
               <a:ext uri="{FF2B5EF4-FFF2-40B4-BE49-F238E27FC236}">
-                <a16:creationId xmlns:a16="http://schemas.microsoft.com/office/drawing/2014/main" id="{A34BEC41-7B1C-3380-6DBB-670BB5F3F324}"/>
+                <a16:creationId xmlns:a16="http://schemas.microsoft.com/office/drawing/2014/main" id="{02B682D2-F137-AF01-0244-B9EA09AB3A64}"/>
               </a:ext>
             </a:extLst>
           </p:cNvPr>
@@ -166,7 +166,7 @@
           <p:cNvPr id="3" name="副标题 2">
             <a:extLst>
               <a:ext uri="{FF2B5EF4-FFF2-40B4-BE49-F238E27FC236}">
-                <a16:creationId xmlns:a16="http://schemas.microsoft.com/office/drawing/2014/main" id="{465D60C6-EB9F-E9B9-8568-B77A331EF68C}"/>
+                <a16:creationId xmlns:a16="http://schemas.microsoft.com/office/drawing/2014/main" id="{1C897598-690C-9023-5246-662F45EC52DD}"/>
               </a:ext>
             </a:extLst>
           </p:cNvPr>
@@ -236,7 +236,7 @@
           <p:cNvPr id="4" name="日期占位符 3">
             <a:extLst>
               <a:ext uri="{FF2B5EF4-FFF2-40B4-BE49-F238E27FC236}">
-                <a16:creationId xmlns:a16="http://schemas.microsoft.com/office/drawing/2014/main" id="{3A930A52-6F34-A799-38E7-99E2B93F690F}"/>
+                <a16:creationId xmlns:a16="http://schemas.microsoft.com/office/drawing/2014/main" id="{7BB327F7-0477-FE97-3EBF-36BFE1C0F969}"/>
               </a:ext>
             </a:extLst>
           </p:cNvPr>
@@ -252,7 +252,7 @@
           <a:bodyPr/>
           <a:lstStyle/>
           <a:p>
-            <a:fld id="{92FA7B63-3422-4CE3-99FB-83E073D0F46F}" type="datetimeFigureOut">
+            <a:fld id="{99C97F75-CF6E-4AEA-ABC1-4015601C86F6}" type="datetimeFigureOut">
               <a:rPr lang="zh-CN" altLang="en-US" smtClean="0"/>
               <a:t>2024/3/10</a:t>
             </a:fld>
@@ -265,7 +265,7 @@
           <p:cNvPr id="5" name="页脚占位符 4">
             <a:extLst>
               <a:ext uri="{FF2B5EF4-FFF2-40B4-BE49-F238E27FC236}">
-                <a16:creationId xmlns:a16="http://schemas.microsoft.com/office/drawing/2014/main" id="{FCF27DE3-FE58-460E-C98A-6CD0AE556831}"/>
+                <a16:creationId xmlns:a16="http://schemas.microsoft.com/office/drawing/2014/main" id="{7E103A29-30DD-81D9-90AC-35312B068844}"/>
               </a:ext>
             </a:extLst>
           </p:cNvPr>
@@ -290,7 +290,7 @@
           <p:cNvPr id="6" name="灯片编号占位符 5">
             <a:extLst>
               <a:ext uri="{FF2B5EF4-FFF2-40B4-BE49-F238E27FC236}">
-                <a16:creationId xmlns:a16="http://schemas.microsoft.com/office/drawing/2014/main" id="{27D7D901-C999-ED51-1936-73C174D629B1}"/>
+                <a16:creationId xmlns:a16="http://schemas.microsoft.com/office/drawing/2014/main" id="{63D0AA28-CD8D-8F40-669E-D3CF87F4A266}"/>
               </a:ext>
             </a:extLst>
           </p:cNvPr>
@@ -306,7 +306,7 @@
           <a:bodyPr/>
           <a:lstStyle/>
           <a:p>
-            <a:fld id="{01E2E43D-02CA-4044-A561-AA8F7316AD29}" type="slidenum">
+            <a:fld id="{38D03BDD-C581-43A4-A060-006ACC411FC1}" type="slidenum">
               <a:rPr lang="zh-CN" altLang="en-US" smtClean="0"/>
               <a:t>‹#›</a:t>
             </a:fld>
@@ -317,7 +317,7 @@
     </p:spTree>
     <p:extLst>
       <p:ext uri="{BB962C8B-B14F-4D97-AF65-F5344CB8AC3E}">
-        <p14:creationId xmlns:p14="http://schemas.microsoft.com/office/powerpoint/2010/main" val="582440650"/>
+        <p14:creationId xmlns:p14="http://schemas.microsoft.com/office/powerpoint/2010/main" val="3821917081"/>
       </p:ext>
     </p:extLst>
   </p:cSld>
@@ -349,7 +349,7 @@
           <p:cNvPr id="2" name="标题 1">
             <a:extLst>
               <a:ext uri="{FF2B5EF4-FFF2-40B4-BE49-F238E27FC236}">
-                <a16:creationId xmlns:a16="http://schemas.microsoft.com/office/drawing/2014/main" id="{AA7F3835-EE5C-B3BC-8F9F-27340E21A19A}"/>
+                <a16:creationId xmlns:a16="http://schemas.microsoft.com/office/drawing/2014/main" id="{EC517508-2276-EE4E-58C0-B682F2C41B7B}"/>
               </a:ext>
             </a:extLst>
           </p:cNvPr>
@@ -377,7 +377,7 @@
           <p:cNvPr id="3" name="竖排文字占位符 2">
             <a:extLst>
               <a:ext uri="{FF2B5EF4-FFF2-40B4-BE49-F238E27FC236}">
-                <a16:creationId xmlns:a16="http://schemas.microsoft.com/office/drawing/2014/main" id="{A73925AE-B5DD-9836-5B6F-C20BC24AC1B0}"/>
+                <a16:creationId xmlns:a16="http://schemas.microsoft.com/office/drawing/2014/main" id="{591FA140-3BD2-62DA-84BE-7B90BAF82821}"/>
               </a:ext>
             </a:extLst>
           </p:cNvPr>
@@ -434,7 +434,7 @@
           <p:cNvPr id="4" name="日期占位符 3">
             <a:extLst>
               <a:ext uri="{FF2B5EF4-FFF2-40B4-BE49-F238E27FC236}">
-                <a16:creationId xmlns:a16="http://schemas.microsoft.com/office/drawing/2014/main" id="{F4723502-3C70-8E54-89C0-74CA48B670A6}"/>
+                <a16:creationId xmlns:a16="http://schemas.microsoft.com/office/drawing/2014/main" id="{13B23894-7B25-0EEF-6B45-2BEF2ECDF8EF}"/>
               </a:ext>
             </a:extLst>
           </p:cNvPr>
@@ -450,7 +450,7 @@
           <a:bodyPr/>
           <a:lstStyle/>
           <a:p>
-            <a:fld id="{92FA7B63-3422-4CE3-99FB-83E073D0F46F}" type="datetimeFigureOut">
+            <a:fld id="{99C97F75-CF6E-4AEA-ABC1-4015601C86F6}" type="datetimeFigureOut">
               <a:rPr lang="zh-CN" altLang="en-US" smtClean="0"/>
               <a:t>2024/3/10</a:t>
             </a:fld>
@@ -463,7 +463,7 @@
           <p:cNvPr id="5" name="页脚占位符 4">
             <a:extLst>
               <a:ext uri="{FF2B5EF4-FFF2-40B4-BE49-F238E27FC236}">
-                <a16:creationId xmlns:a16="http://schemas.microsoft.com/office/drawing/2014/main" id="{301E60E2-92CD-4EBF-CB54-944E1B73CE1F}"/>
+                <a16:creationId xmlns:a16="http://schemas.microsoft.com/office/drawing/2014/main" id="{1AA57C94-0BD9-225E-AC50-814FF10BF502}"/>
               </a:ext>
             </a:extLst>
           </p:cNvPr>
@@ -488,7 +488,7 @@
           <p:cNvPr id="6" name="灯片编号占位符 5">
             <a:extLst>
               <a:ext uri="{FF2B5EF4-FFF2-40B4-BE49-F238E27FC236}">
-                <a16:creationId xmlns:a16="http://schemas.microsoft.com/office/drawing/2014/main" id="{656E3C94-96DB-DD1B-5442-5C1812F39981}"/>
+                <a16:creationId xmlns:a16="http://schemas.microsoft.com/office/drawing/2014/main" id="{EFE40F64-0342-90F3-866C-379D661F0531}"/>
               </a:ext>
             </a:extLst>
           </p:cNvPr>
@@ -504,7 +504,7 @@
           <a:bodyPr/>
           <a:lstStyle/>
           <a:p>
-            <a:fld id="{01E2E43D-02CA-4044-A561-AA8F7316AD29}" type="slidenum">
+            <a:fld id="{38D03BDD-C581-43A4-A060-006ACC411FC1}" type="slidenum">
               <a:rPr lang="zh-CN" altLang="en-US" smtClean="0"/>
               <a:t>‹#›</a:t>
             </a:fld>
@@ -515,7 +515,7 @@
     </p:spTree>
     <p:extLst>
       <p:ext uri="{BB962C8B-B14F-4D97-AF65-F5344CB8AC3E}">
-        <p14:creationId xmlns:p14="http://schemas.microsoft.com/office/powerpoint/2010/main" val="1102022673"/>
+        <p14:creationId xmlns:p14="http://schemas.microsoft.com/office/powerpoint/2010/main" val="1647327798"/>
       </p:ext>
     </p:extLst>
   </p:cSld>
@@ -547,7 +547,7 @@
           <p:cNvPr id="2" name="竖排标题 1">
             <a:extLst>
               <a:ext uri="{FF2B5EF4-FFF2-40B4-BE49-F238E27FC236}">
-                <a16:creationId xmlns:a16="http://schemas.microsoft.com/office/drawing/2014/main" id="{C05914B8-F7E0-9703-B31E-6E295A4AF564}"/>
+                <a16:creationId xmlns:a16="http://schemas.microsoft.com/office/drawing/2014/main" id="{4416544E-1B3A-7AA2-84B0-AC8FE5982763}"/>
               </a:ext>
             </a:extLst>
           </p:cNvPr>
@@ -580,7 +580,7 @@
           <p:cNvPr id="3" name="竖排文字占位符 2">
             <a:extLst>
               <a:ext uri="{FF2B5EF4-FFF2-40B4-BE49-F238E27FC236}">
-                <a16:creationId xmlns:a16="http://schemas.microsoft.com/office/drawing/2014/main" id="{2D3C35B3-79B2-8D8C-D0CF-F49CBA46B609}"/>
+                <a16:creationId xmlns:a16="http://schemas.microsoft.com/office/drawing/2014/main" id="{23ADE506-B6D4-24FF-C2F0-285FBFF9236D}"/>
               </a:ext>
             </a:extLst>
           </p:cNvPr>
@@ -642,7 +642,7 @@
           <p:cNvPr id="4" name="日期占位符 3">
             <a:extLst>
               <a:ext uri="{FF2B5EF4-FFF2-40B4-BE49-F238E27FC236}">
-                <a16:creationId xmlns:a16="http://schemas.microsoft.com/office/drawing/2014/main" id="{5B960988-3D94-7634-7E71-6AAE0C48DA22}"/>
+                <a16:creationId xmlns:a16="http://schemas.microsoft.com/office/drawing/2014/main" id="{62709911-0F67-6B89-3682-CC7B45C81628}"/>
               </a:ext>
             </a:extLst>
           </p:cNvPr>
@@ -658,7 +658,7 @@
           <a:bodyPr/>
           <a:lstStyle/>
           <a:p>
-            <a:fld id="{92FA7B63-3422-4CE3-99FB-83E073D0F46F}" type="datetimeFigureOut">
+            <a:fld id="{99C97F75-CF6E-4AEA-ABC1-4015601C86F6}" type="datetimeFigureOut">
               <a:rPr lang="zh-CN" altLang="en-US" smtClean="0"/>
               <a:t>2024/3/10</a:t>
             </a:fld>
@@ -671,7 +671,7 @@
           <p:cNvPr id="5" name="页脚占位符 4">
             <a:extLst>
               <a:ext uri="{FF2B5EF4-FFF2-40B4-BE49-F238E27FC236}">
-                <a16:creationId xmlns:a16="http://schemas.microsoft.com/office/drawing/2014/main" id="{2567CA37-819F-0318-DCB6-790C526D1B97}"/>
+                <a16:creationId xmlns:a16="http://schemas.microsoft.com/office/drawing/2014/main" id="{6E60DA84-C38B-2660-F12A-D80BF2D6D7F5}"/>
               </a:ext>
             </a:extLst>
           </p:cNvPr>
@@ -696,7 +696,7 @@
           <p:cNvPr id="6" name="灯片编号占位符 5">
             <a:extLst>
               <a:ext uri="{FF2B5EF4-FFF2-40B4-BE49-F238E27FC236}">
-                <a16:creationId xmlns:a16="http://schemas.microsoft.com/office/drawing/2014/main" id="{5793C3D6-44B4-3877-122E-2B6E7250428C}"/>
+                <a16:creationId xmlns:a16="http://schemas.microsoft.com/office/drawing/2014/main" id="{96C82A0E-7D52-CF7A-54A7-266DC649340C}"/>
               </a:ext>
             </a:extLst>
           </p:cNvPr>
@@ -712,7 +712,7 @@
           <a:bodyPr/>
           <a:lstStyle/>
           <a:p>
-            <a:fld id="{01E2E43D-02CA-4044-A561-AA8F7316AD29}" type="slidenum">
+            <a:fld id="{38D03BDD-C581-43A4-A060-006ACC411FC1}" type="slidenum">
               <a:rPr lang="zh-CN" altLang="en-US" smtClean="0"/>
               <a:t>‹#›</a:t>
             </a:fld>
@@ -723,7 +723,7 @@
     </p:spTree>
     <p:extLst>
       <p:ext uri="{BB962C8B-B14F-4D97-AF65-F5344CB8AC3E}">
-        <p14:creationId xmlns:p14="http://schemas.microsoft.com/office/powerpoint/2010/main" val="3510172689"/>
+        <p14:creationId xmlns:p14="http://schemas.microsoft.com/office/powerpoint/2010/main" val="3018820382"/>
       </p:ext>
     </p:extLst>
   </p:cSld>
@@ -755,7 +755,7 @@
           <p:cNvPr id="2" name="标题 1">
             <a:extLst>
               <a:ext uri="{FF2B5EF4-FFF2-40B4-BE49-F238E27FC236}">
-                <a16:creationId xmlns:a16="http://schemas.microsoft.com/office/drawing/2014/main" id="{CDFD29F3-D55D-28B3-6F2B-106BA26A05C0}"/>
+                <a16:creationId xmlns:a16="http://schemas.microsoft.com/office/drawing/2014/main" id="{618BE082-A113-18F7-8F57-E73E8F0F35EE}"/>
               </a:ext>
             </a:extLst>
           </p:cNvPr>
@@ -783,7 +783,7 @@
           <p:cNvPr id="3" name="内容占位符 2">
             <a:extLst>
               <a:ext uri="{FF2B5EF4-FFF2-40B4-BE49-F238E27FC236}">
-                <a16:creationId xmlns:a16="http://schemas.microsoft.com/office/drawing/2014/main" id="{DA56DCD7-AA67-EE13-6C36-54EF027235AA}"/>
+                <a16:creationId xmlns:a16="http://schemas.microsoft.com/office/drawing/2014/main" id="{25DA9C0B-E712-DC8F-1ABC-2C32CD471B5E}"/>
               </a:ext>
             </a:extLst>
           </p:cNvPr>
@@ -840,7 +840,7 @@
           <p:cNvPr id="4" name="日期占位符 3">
             <a:extLst>
               <a:ext uri="{FF2B5EF4-FFF2-40B4-BE49-F238E27FC236}">
-                <a16:creationId xmlns:a16="http://schemas.microsoft.com/office/drawing/2014/main" id="{ED242994-6992-0B22-0FF5-BFE13E84EFBB}"/>
+                <a16:creationId xmlns:a16="http://schemas.microsoft.com/office/drawing/2014/main" id="{926D1F27-DDF2-4E8A-DB8A-35ACC999B2AA}"/>
               </a:ext>
             </a:extLst>
           </p:cNvPr>
@@ -856,7 +856,7 @@
           <a:bodyPr/>
           <a:lstStyle/>
           <a:p>
-            <a:fld id="{92FA7B63-3422-4CE3-99FB-83E073D0F46F}" type="datetimeFigureOut">
+            <a:fld id="{99C97F75-CF6E-4AEA-ABC1-4015601C86F6}" type="datetimeFigureOut">
               <a:rPr lang="zh-CN" altLang="en-US" smtClean="0"/>
               <a:t>2024/3/10</a:t>
             </a:fld>
@@ -869,7 +869,7 @@
           <p:cNvPr id="5" name="页脚占位符 4">
             <a:extLst>
               <a:ext uri="{FF2B5EF4-FFF2-40B4-BE49-F238E27FC236}">
-                <a16:creationId xmlns:a16="http://schemas.microsoft.com/office/drawing/2014/main" id="{62C5454A-7386-7985-4314-450EC05287E5}"/>
+                <a16:creationId xmlns:a16="http://schemas.microsoft.com/office/drawing/2014/main" id="{AD2ACB5B-67B2-FF97-AC45-32315B8FA6A8}"/>
               </a:ext>
             </a:extLst>
           </p:cNvPr>
@@ -894,7 +894,7 @@
           <p:cNvPr id="6" name="灯片编号占位符 5">
             <a:extLst>
               <a:ext uri="{FF2B5EF4-FFF2-40B4-BE49-F238E27FC236}">
-                <a16:creationId xmlns:a16="http://schemas.microsoft.com/office/drawing/2014/main" id="{D42674D9-D8A1-F247-0168-274FE4D1691E}"/>
+                <a16:creationId xmlns:a16="http://schemas.microsoft.com/office/drawing/2014/main" id="{F16E3D4C-3198-850C-B191-01A0994B44A9}"/>
               </a:ext>
             </a:extLst>
           </p:cNvPr>
@@ -910,7 +910,7 @@
           <a:bodyPr/>
           <a:lstStyle/>
           <a:p>
-            <a:fld id="{01E2E43D-02CA-4044-A561-AA8F7316AD29}" type="slidenum">
+            <a:fld id="{38D03BDD-C581-43A4-A060-006ACC411FC1}" type="slidenum">
               <a:rPr lang="zh-CN" altLang="en-US" smtClean="0"/>
               <a:t>‹#›</a:t>
             </a:fld>
@@ -921,7 +921,7 @@
     </p:spTree>
     <p:extLst>
       <p:ext uri="{BB962C8B-B14F-4D97-AF65-F5344CB8AC3E}">
-        <p14:creationId xmlns:p14="http://schemas.microsoft.com/office/powerpoint/2010/main" val="1181891999"/>
+        <p14:creationId xmlns:p14="http://schemas.microsoft.com/office/powerpoint/2010/main" val="1411599174"/>
       </p:ext>
     </p:extLst>
   </p:cSld>
@@ -953,7 +953,7 @@
           <p:cNvPr id="2" name="标题 1">
             <a:extLst>
               <a:ext uri="{FF2B5EF4-FFF2-40B4-BE49-F238E27FC236}">
-                <a16:creationId xmlns:a16="http://schemas.microsoft.com/office/drawing/2014/main" id="{F161C7EE-3E6E-E211-3DA8-412800B995B2}"/>
+                <a16:creationId xmlns:a16="http://schemas.microsoft.com/office/drawing/2014/main" id="{48376422-AA99-60EC-0AF9-FEBE9FB3EA99}"/>
               </a:ext>
             </a:extLst>
           </p:cNvPr>
@@ -990,7 +990,7 @@
           <p:cNvPr id="3" name="文本占位符 2">
             <a:extLst>
               <a:ext uri="{FF2B5EF4-FFF2-40B4-BE49-F238E27FC236}">
-                <a16:creationId xmlns:a16="http://schemas.microsoft.com/office/drawing/2014/main" id="{D8148FB8-869C-E8CF-8465-43F53401DF60}"/>
+                <a16:creationId xmlns:a16="http://schemas.microsoft.com/office/drawing/2014/main" id="{301058B1-D91F-65F4-DB75-FA42827C1808}"/>
               </a:ext>
             </a:extLst>
           </p:cNvPr>
@@ -1115,7 +1115,7 @@
           <p:cNvPr id="4" name="日期占位符 3">
             <a:extLst>
               <a:ext uri="{FF2B5EF4-FFF2-40B4-BE49-F238E27FC236}">
-                <a16:creationId xmlns:a16="http://schemas.microsoft.com/office/drawing/2014/main" id="{86726CD8-4D94-D873-0DBA-492D26BB0F4A}"/>
+                <a16:creationId xmlns:a16="http://schemas.microsoft.com/office/drawing/2014/main" id="{9A1B2859-9D32-DB10-7650-4E018F1BEF93}"/>
               </a:ext>
             </a:extLst>
           </p:cNvPr>
@@ -1131,7 +1131,7 @@
           <a:bodyPr/>
           <a:lstStyle/>
           <a:p>
-            <a:fld id="{92FA7B63-3422-4CE3-99FB-83E073D0F46F}" type="datetimeFigureOut">
+            <a:fld id="{99C97F75-CF6E-4AEA-ABC1-4015601C86F6}" type="datetimeFigureOut">
               <a:rPr lang="zh-CN" altLang="en-US" smtClean="0"/>
               <a:t>2024/3/10</a:t>
             </a:fld>
@@ -1144,7 +1144,7 @@
           <p:cNvPr id="5" name="页脚占位符 4">
             <a:extLst>
               <a:ext uri="{FF2B5EF4-FFF2-40B4-BE49-F238E27FC236}">
-                <a16:creationId xmlns:a16="http://schemas.microsoft.com/office/drawing/2014/main" id="{5E3091BA-9F3C-BE58-0F77-32D6EC9B0EEB}"/>
+                <a16:creationId xmlns:a16="http://schemas.microsoft.com/office/drawing/2014/main" id="{2178EBAD-4588-451A-81BC-2339CB8DA11D}"/>
               </a:ext>
             </a:extLst>
           </p:cNvPr>
@@ -1169,7 +1169,7 @@
           <p:cNvPr id="6" name="灯片编号占位符 5">
             <a:extLst>
               <a:ext uri="{FF2B5EF4-FFF2-40B4-BE49-F238E27FC236}">
-                <a16:creationId xmlns:a16="http://schemas.microsoft.com/office/drawing/2014/main" id="{420153C1-6651-08C9-17C5-C9BA3C176C65}"/>
+                <a16:creationId xmlns:a16="http://schemas.microsoft.com/office/drawing/2014/main" id="{8E015249-5BBD-2AA1-1EA9-E91DFA5B902A}"/>
               </a:ext>
             </a:extLst>
           </p:cNvPr>
@@ -1185,7 +1185,7 @@
           <a:bodyPr/>
           <a:lstStyle/>
           <a:p>
-            <a:fld id="{01E2E43D-02CA-4044-A561-AA8F7316AD29}" type="slidenum">
+            <a:fld id="{38D03BDD-C581-43A4-A060-006ACC411FC1}" type="slidenum">
               <a:rPr lang="zh-CN" altLang="en-US" smtClean="0"/>
               <a:t>‹#›</a:t>
             </a:fld>
@@ -1196,7 +1196,7 @@
     </p:spTree>
     <p:extLst>
       <p:ext uri="{BB962C8B-B14F-4D97-AF65-F5344CB8AC3E}">
-        <p14:creationId xmlns:p14="http://schemas.microsoft.com/office/powerpoint/2010/main" val="2213595103"/>
+        <p14:creationId xmlns:p14="http://schemas.microsoft.com/office/powerpoint/2010/main" val="3610124837"/>
       </p:ext>
     </p:extLst>
   </p:cSld>
@@ -1228,7 +1228,7 @@
           <p:cNvPr id="2" name="标题 1">
             <a:extLst>
               <a:ext uri="{FF2B5EF4-FFF2-40B4-BE49-F238E27FC236}">
-                <a16:creationId xmlns:a16="http://schemas.microsoft.com/office/drawing/2014/main" id="{BF389A28-2B9C-1725-D4E9-4A075EB92363}"/>
+                <a16:creationId xmlns:a16="http://schemas.microsoft.com/office/drawing/2014/main" id="{D52D0EB4-2180-346D-0830-9A721C7114A9}"/>
               </a:ext>
             </a:extLst>
           </p:cNvPr>
@@ -1256,7 +1256,7 @@
           <p:cNvPr id="3" name="内容占位符 2">
             <a:extLst>
               <a:ext uri="{FF2B5EF4-FFF2-40B4-BE49-F238E27FC236}">
-                <a16:creationId xmlns:a16="http://schemas.microsoft.com/office/drawing/2014/main" id="{BD321991-ECC1-4FE4-C801-FEB2B94D3026}"/>
+                <a16:creationId xmlns:a16="http://schemas.microsoft.com/office/drawing/2014/main" id="{BA184017-8C6A-E71C-2FE7-D0EC31DBC19C}"/>
               </a:ext>
             </a:extLst>
           </p:cNvPr>
@@ -1318,7 +1318,7 @@
           <p:cNvPr id="4" name="内容占位符 3">
             <a:extLst>
               <a:ext uri="{FF2B5EF4-FFF2-40B4-BE49-F238E27FC236}">
-                <a16:creationId xmlns:a16="http://schemas.microsoft.com/office/drawing/2014/main" id="{0DA35477-8BC3-A4D6-130D-1F8ECC28FC09}"/>
+                <a16:creationId xmlns:a16="http://schemas.microsoft.com/office/drawing/2014/main" id="{E2ED08B3-C950-54A2-A161-9F137E6C177A}"/>
               </a:ext>
             </a:extLst>
           </p:cNvPr>
@@ -1380,7 +1380,7 @@
           <p:cNvPr id="5" name="日期占位符 4">
             <a:extLst>
               <a:ext uri="{FF2B5EF4-FFF2-40B4-BE49-F238E27FC236}">
-                <a16:creationId xmlns:a16="http://schemas.microsoft.com/office/drawing/2014/main" id="{A4DE0BBB-14EA-CE88-D71F-29C39309B734}"/>
+                <a16:creationId xmlns:a16="http://schemas.microsoft.com/office/drawing/2014/main" id="{86764C6E-23BD-6F2A-37DE-9A03880CB9BA}"/>
               </a:ext>
             </a:extLst>
           </p:cNvPr>
@@ -1396,7 +1396,7 @@
           <a:bodyPr/>
           <a:lstStyle/>
           <a:p>
-            <a:fld id="{92FA7B63-3422-4CE3-99FB-83E073D0F46F}" type="datetimeFigureOut">
+            <a:fld id="{99C97F75-CF6E-4AEA-ABC1-4015601C86F6}" type="datetimeFigureOut">
               <a:rPr lang="zh-CN" altLang="en-US" smtClean="0"/>
               <a:t>2024/3/10</a:t>
             </a:fld>
@@ -1409,7 +1409,7 @@
           <p:cNvPr id="6" name="页脚占位符 5">
             <a:extLst>
               <a:ext uri="{FF2B5EF4-FFF2-40B4-BE49-F238E27FC236}">
-                <a16:creationId xmlns:a16="http://schemas.microsoft.com/office/drawing/2014/main" id="{40E67681-14A9-EB17-B83B-4F4DF0584F66}"/>
+                <a16:creationId xmlns:a16="http://schemas.microsoft.com/office/drawing/2014/main" id="{AAE8494C-5B1F-DA96-3AA0-EB261AA1331C}"/>
               </a:ext>
             </a:extLst>
           </p:cNvPr>
@@ -1434,7 +1434,7 @@
           <p:cNvPr id="7" name="灯片编号占位符 6">
             <a:extLst>
               <a:ext uri="{FF2B5EF4-FFF2-40B4-BE49-F238E27FC236}">
-                <a16:creationId xmlns:a16="http://schemas.microsoft.com/office/drawing/2014/main" id="{F895E9F4-C561-1CBB-AA43-E7029AA300BB}"/>
+                <a16:creationId xmlns:a16="http://schemas.microsoft.com/office/drawing/2014/main" id="{7B0D80C0-0204-218A-60C1-943E18489012}"/>
               </a:ext>
             </a:extLst>
           </p:cNvPr>
@@ -1450,7 +1450,7 @@
           <a:bodyPr/>
           <a:lstStyle/>
           <a:p>
-            <a:fld id="{01E2E43D-02CA-4044-A561-AA8F7316AD29}" type="slidenum">
+            <a:fld id="{38D03BDD-C581-43A4-A060-006ACC411FC1}" type="slidenum">
               <a:rPr lang="zh-CN" altLang="en-US" smtClean="0"/>
               <a:t>‹#›</a:t>
             </a:fld>
@@ -1461,7 +1461,7 @@
     </p:spTree>
     <p:extLst>
       <p:ext uri="{BB962C8B-B14F-4D97-AF65-F5344CB8AC3E}">
-        <p14:creationId xmlns:p14="http://schemas.microsoft.com/office/powerpoint/2010/main" val="3134602407"/>
+        <p14:creationId xmlns:p14="http://schemas.microsoft.com/office/powerpoint/2010/main" val="1065931338"/>
       </p:ext>
     </p:extLst>
   </p:cSld>
@@ -1493,7 +1493,7 @@
           <p:cNvPr id="2" name="标题 1">
             <a:extLst>
               <a:ext uri="{FF2B5EF4-FFF2-40B4-BE49-F238E27FC236}">
-                <a16:creationId xmlns:a16="http://schemas.microsoft.com/office/drawing/2014/main" id="{B5488152-EBE9-BCC7-DE45-6B2483541544}"/>
+                <a16:creationId xmlns:a16="http://schemas.microsoft.com/office/drawing/2014/main" id="{4F4DCDC6-6DD9-7212-D9ED-5479421FDB64}"/>
               </a:ext>
             </a:extLst>
           </p:cNvPr>
@@ -1526,7 +1526,7 @@
           <p:cNvPr id="3" name="文本占位符 2">
             <a:extLst>
               <a:ext uri="{FF2B5EF4-FFF2-40B4-BE49-F238E27FC236}">
-                <a16:creationId xmlns:a16="http://schemas.microsoft.com/office/drawing/2014/main" id="{243FA0F7-6BEB-24DD-3680-55768D446F64}"/>
+                <a16:creationId xmlns:a16="http://schemas.microsoft.com/office/drawing/2014/main" id="{133979C1-775A-C126-AD63-A828474D08D4}"/>
               </a:ext>
             </a:extLst>
           </p:cNvPr>
@@ -1597,7 +1597,7 @@
           <p:cNvPr id="4" name="内容占位符 3">
             <a:extLst>
               <a:ext uri="{FF2B5EF4-FFF2-40B4-BE49-F238E27FC236}">
-                <a16:creationId xmlns:a16="http://schemas.microsoft.com/office/drawing/2014/main" id="{968C73C5-EAA9-60D4-05B7-4CFE6BE5138E}"/>
+                <a16:creationId xmlns:a16="http://schemas.microsoft.com/office/drawing/2014/main" id="{AAE75A8F-D086-BB08-BFD5-CE0D969EB719}"/>
               </a:ext>
             </a:extLst>
           </p:cNvPr>
@@ -1659,7 +1659,7 @@
           <p:cNvPr id="5" name="文本占位符 4">
             <a:extLst>
               <a:ext uri="{FF2B5EF4-FFF2-40B4-BE49-F238E27FC236}">
-                <a16:creationId xmlns:a16="http://schemas.microsoft.com/office/drawing/2014/main" id="{07398DB5-B542-E3EF-B730-F3D203AF4EFE}"/>
+                <a16:creationId xmlns:a16="http://schemas.microsoft.com/office/drawing/2014/main" id="{C2DF4C3B-54E9-3E67-F940-C39638DC52A2}"/>
               </a:ext>
             </a:extLst>
           </p:cNvPr>
@@ -1730,7 +1730,7 @@
           <p:cNvPr id="6" name="内容占位符 5">
             <a:extLst>
               <a:ext uri="{FF2B5EF4-FFF2-40B4-BE49-F238E27FC236}">
-                <a16:creationId xmlns:a16="http://schemas.microsoft.com/office/drawing/2014/main" id="{99FF96F7-D3B7-89BB-3A6A-6F0485F670F5}"/>
+                <a16:creationId xmlns:a16="http://schemas.microsoft.com/office/drawing/2014/main" id="{E8B91EEB-6D04-F0F5-01FC-4D52E6EAA767}"/>
               </a:ext>
             </a:extLst>
           </p:cNvPr>
@@ -1792,7 +1792,7 @@
           <p:cNvPr id="7" name="日期占位符 6">
             <a:extLst>
               <a:ext uri="{FF2B5EF4-FFF2-40B4-BE49-F238E27FC236}">
-                <a16:creationId xmlns:a16="http://schemas.microsoft.com/office/drawing/2014/main" id="{62A01CA1-F74B-78C4-964E-3E120B48366A}"/>
+                <a16:creationId xmlns:a16="http://schemas.microsoft.com/office/drawing/2014/main" id="{8F112124-2962-3297-B39D-7FBE8D652ACA}"/>
               </a:ext>
             </a:extLst>
           </p:cNvPr>
@@ -1808,7 +1808,7 @@
           <a:bodyPr/>
           <a:lstStyle/>
           <a:p>
-            <a:fld id="{92FA7B63-3422-4CE3-99FB-83E073D0F46F}" type="datetimeFigureOut">
+            <a:fld id="{99C97F75-CF6E-4AEA-ABC1-4015601C86F6}" type="datetimeFigureOut">
               <a:rPr lang="zh-CN" altLang="en-US" smtClean="0"/>
               <a:t>2024/3/10</a:t>
             </a:fld>
@@ -1821,7 +1821,7 @@
           <p:cNvPr id="8" name="页脚占位符 7">
             <a:extLst>
               <a:ext uri="{FF2B5EF4-FFF2-40B4-BE49-F238E27FC236}">
-                <a16:creationId xmlns:a16="http://schemas.microsoft.com/office/drawing/2014/main" id="{1A809891-482F-9116-0C87-F7F341D32361}"/>
+                <a16:creationId xmlns:a16="http://schemas.microsoft.com/office/drawing/2014/main" id="{698E0089-952E-CB18-1FA6-EC89DCFEA2AA}"/>
               </a:ext>
             </a:extLst>
           </p:cNvPr>
@@ -1846,7 +1846,7 @@
           <p:cNvPr id="9" name="灯片编号占位符 8">
             <a:extLst>
               <a:ext uri="{FF2B5EF4-FFF2-40B4-BE49-F238E27FC236}">
-                <a16:creationId xmlns:a16="http://schemas.microsoft.com/office/drawing/2014/main" id="{AAB482DA-E631-39EF-F57F-079DCFDBD2CC}"/>
+                <a16:creationId xmlns:a16="http://schemas.microsoft.com/office/drawing/2014/main" id="{B5D3D2B9-E5C9-865C-D025-77615836FB4E}"/>
               </a:ext>
             </a:extLst>
           </p:cNvPr>
@@ -1862,7 +1862,7 @@
           <a:bodyPr/>
           <a:lstStyle/>
           <a:p>
-            <a:fld id="{01E2E43D-02CA-4044-A561-AA8F7316AD29}" type="slidenum">
+            <a:fld id="{38D03BDD-C581-43A4-A060-006ACC411FC1}" type="slidenum">
               <a:rPr lang="zh-CN" altLang="en-US" smtClean="0"/>
               <a:t>‹#›</a:t>
             </a:fld>
@@ -1873,7 +1873,7 @@
     </p:spTree>
     <p:extLst>
       <p:ext uri="{BB962C8B-B14F-4D97-AF65-F5344CB8AC3E}">
-        <p14:creationId xmlns:p14="http://schemas.microsoft.com/office/powerpoint/2010/main" val="4233404065"/>
+        <p14:creationId xmlns:p14="http://schemas.microsoft.com/office/powerpoint/2010/main" val="305117074"/>
       </p:ext>
     </p:extLst>
   </p:cSld>
@@ -1905,7 +1905,7 @@
           <p:cNvPr id="2" name="标题 1">
             <a:extLst>
               <a:ext uri="{FF2B5EF4-FFF2-40B4-BE49-F238E27FC236}">
-                <a16:creationId xmlns:a16="http://schemas.microsoft.com/office/drawing/2014/main" id="{87616B67-2606-71A6-50B4-D321D27F4DD3}"/>
+                <a16:creationId xmlns:a16="http://schemas.microsoft.com/office/drawing/2014/main" id="{011672A6-C383-6A1D-3DC2-5D68B904076A}"/>
               </a:ext>
             </a:extLst>
           </p:cNvPr>
@@ -1933,7 +1933,7 @@
           <p:cNvPr id="3" name="日期占位符 2">
             <a:extLst>
               <a:ext uri="{FF2B5EF4-FFF2-40B4-BE49-F238E27FC236}">
-                <a16:creationId xmlns:a16="http://schemas.microsoft.com/office/drawing/2014/main" id="{A09EC099-9D90-5B52-E91A-8D19B493AB08}"/>
+                <a16:creationId xmlns:a16="http://schemas.microsoft.com/office/drawing/2014/main" id="{DB0655C2-F377-E224-C50C-48A483E427D8}"/>
               </a:ext>
             </a:extLst>
           </p:cNvPr>
@@ -1949,7 +1949,7 @@
           <a:bodyPr/>
           <a:lstStyle/>
           <a:p>
-            <a:fld id="{92FA7B63-3422-4CE3-99FB-83E073D0F46F}" type="datetimeFigureOut">
+            <a:fld id="{99C97F75-CF6E-4AEA-ABC1-4015601C86F6}" type="datetimeFigureOut">
               <a:rPr lang="zh-CN" altLang="en-US" smtClean="0"/>
               <a:t>2024/3/10</a:t>
             </a:fld>
@@ -1962,7 +1962,7 @@
           <p:cNvPr id="4" name="页脚占位符 3">
             <a:extLst>
               <a:ext uri="{FF2B5EF4-FFF2-40B4-BE49-F238E27FC236}">
-                <a16:creationId xmlns:a16="http://schemas.microsoft.com/office/drawing/2014/main" id="{9AD21896-7D79-5CE0-E324-0BDDFC83E62D}"/>
+                <a16:creationId xmlns:a16="http://schemas.microsoft.com/office/drawing/2014/main" id="{5CA81DFF-CED2-C240-0FCB-90CAEBC31D25}"/>
               </a:ext>
             </a:extLst>
           </p:cNvPr>
@@ -1987,7 +1987,7 @@
           <p:cNvPr id="5" name="灯片编号占位符 4">
             <a:extLst>
               <a:ext uri="{FF2B5EF4-FFF2-40B4-BE49-F238E27FC236}">
-                <a16:creationId xmlns:a16="http://schemas.microsoft.com/office/drawing/2014/main" id="{03907BA0-A004-B7EA-D411-77275AF93A97}"/>
+                <a16:creationId xmlns:a16="http://schemas.microsoft.com/office/drawing/2014/main" id="{FF784EAA-1C93-8217-8EA5-9C891F7F1206}"/>
               </a:ext>
             </a:extLst>
           </p:cNvPr>
@@ -2003,7 +2003,7 @@
           <a:bodyPr/>
           <a:lstStyle/>
           <a:p>
-            <a:fld id="{01E2E43D-02CA-4044-A561-AA8F7316AD29}" type="slidenum">
+            <a:fld id="{38D03BDD-C581-43A4-A060-006ACC411FC1}" type="slidenum">
               <a:rPr lang="zh-CN" altLang="en-US" smtClean="0"/>
               <a:t>‹#›</a:t>
             </a:fld>
@@ -2014,7 +2014,7 @@
     </p:spTree>
     <p:extLst>
       <p:ext uri="{BB962C8B-B14F-4D97-AF65-F5344CB8AC3E}">
-        <p14:creationId xmlns:p14="http://schemas.microsoft.com/office/powerpoint/2010/main" val="3150960749"/>
+        <p14:creationId xmlns:p14="http://schemas.microsoft.com/office/powerpoint/2010/main" val="483218424"/>
       </p:ext>
     </p:extLst>
   </p:cSld>
@@ -2046,7 +2046,7 @@
           <p:cNvPr id="2" name="日期占位符 1">
             <a:extLst>
               <a:ext uri="{FF2B5EF4-FFF2-40B4-BE49-F238E27FC236}">
-                <a16:creationId xmlns:a16="http://schemas.microsoft.com/office/drawing/2014/main" id="{2D8078C7-AFF1-138F-BFAB-AD4AFA70B82A}"/>
+                <a16:creationId xmlns:a16="http://schemas.microsoft.com/office/drawing/2014/main" id="{1C38D8C1-8C70-47EB-4CB7-C35FF37B2BE5}"/>
               </a:ext>
             </a:extLst>
           </p:cNvPr>
@@ -2062,7 +2062,7 @@
           <a:bodyPr/>
           <a:lstStyle/>
           <a:p>
-            <a:fld id="{92FA7B63-3422-4CE3-99FB-83E073D0F46F}" type="datetimeFigureOut">
+            <a:fld id="{99C97F75-CF6E-4AEA-ABC1-4015601C86F6}" type="datetimeFigureOut">
               <a:rPr lang="zh-CN" altLang="en-US" smtClean="0"/>
               <a:t>2024/3/10</a:t>
             </a:fld>
@@ -2075,7 +2075,7 @@
           <p:cNvPr id="3" name="页脚占位符 2">
             <a:extLst>
               <a:ext uri="{FF2B5EF4-FFF2-40B4-BE49-F238E27FC236}">
-                <a16:creationId xmlns:a16="http://schemas.microsoft.com/office/drawing/2014/main" id="{F3401767-8E2B-476D-8C0C-2F57F77A4D7F}"/>
+                <a16:creationId xmlns:a16="http://schemas.microsoft.com/office/drawing/2014/main" id="{7B522484-DBA7-8CB0-C333-2B0F63C9FEE8}"/>
               </a:ext>
             </a:extLst>
           </p:cNvPr>
@@ -2100,7 +2100,7 @@
           <p:cNvPr id="4" name="灯片编号占位符 3">
             <a:extLst>
               <a:ext uri="{FF2B5EF4-FFF2-40B4-BE49-F238E27FC236}">
-                <a16:creationId xmlns:a16="http://schemas.microsoft.com/office/drawing/2014/main" id="{6CD09827-F6A1-EC1C-0228-D275228B8644}"/>
+                <a16:creationId xmlns:a16="http://schemas.microsoft.com/office/drawing/2014/main" id="{ED0CA10B-AD77-68D0-1D68-4B3BD51C600C}"/>
               </a:ext>
             </a:extLst>
           </p:cNvPr>
@@ -2116,7 +2116,7 @@
           <a:bodyPr/>
           <a:lstStyle/>
           <a:p>
-            <a:fld id="{01E2E43D-02CA-4044-A561-AA8F7316AD29}" type="slidenum">
+            <a:fld id="{38D03BDD-C581-43A4-A060-006ACC411FC1}" type="slidenum">
               <a:rPr lang="zh-CN" altLang="en-US" smtClean="0"/>
               <a:t>‹#›</a:t>
             </a:fld>
@@ -2127,7 +2127,7 @@
     </p:spTree>
     <p:extLst>
       <p:ext uri="{BB962C8B-B14F-4D97-AF65-F5344CB8AC3E}">
-        <p14:creationId xmlns:p14="http://schemas.microsoft.com/office/powerpoint/2010/main" val="181603325"/>
+        <p14:creationId xmlns:p14="http://schemas.microsoft.com/office/powerpoint/2010/main" val="2107948638"/>
       </p:ext>
     </p:extLst>
   </p:cSld>
@@ -2159,7 +2159,7 @@
           <p:cNvPr id="2" name="标题 1">
             <a:extLst>
               <a:ext uri="{FF2B5EF4-FFF2-40B4-BE49-F238E27FC236}">
-                <a16:creationId xmlns:a16="http://schemas.microsoft.com/office/drawing/2014/main" id="{A0DC22E1-886A-A9D1-2B33-FB974C470B66}"/>
+                <a16:creationId xmlns:a16="http://schemas.microsoft.com/office/drawing/2014/main" id="{83FD14B6-DF07-65AE-CDA6-D5C5D20B03F6}"/>
               </a:ext>
             </a:extLst>
           </p:cNvPr>
@@ -2196,7 +2196,7 @@
           <p:cNvPr id="3" name="内容占位符 2">
             <a:extLst>
               <a:ext uri="{FF2B5EF4-FFF2-40B4-BE49-F238E27FC236}">
-                <a16:creationId xmlns:a16="http://schemas.microsoft.com/office/drawing/2014/main" id="{B8B27546-B224-4AF9-D6CF-A0BFCF610066}"/>
+                <a16:creationId xmlns:a16="http://schemas.microsoft.com/office/drawing/2014/main" id="{EC7A1129-D7B4-243C-C767-60F4068BBCC1}"/>
               </a:ext>
             </a:extLst>
           </p:cNvPr>
@@ -2286,7 +2286,7 @@
           <p:cNvPr id="4" name="文本占位符 3">
             <a:extLst>
               <a:ext uri="{FF2B5EF4-FFF2-40B4-BE49-F238E27FC236}">
-                <a16:creationId xmlns:a16="http://schemas.microsoft.com/office/drawing/2014/main" id="{35BC0EE3-B7C8-4300-6D38-2D98B7E8D4D4}"/>
+                <a16:creationId xmlns:a16="http://schemas.microsoft.com/office/drawing/2014/main" id="{6BDDD80C-EF5E-EF9F-A1DF-D37D44201D1B}"/>
               </a:ext>
             </a:extLst>
           </p:cNvPr>
@@ -2357,7 +2357,7 @@
           <p:cNvPr id="5" name="日期占位符 4">
             <a:extLst>
               <a:ext uri="{FF2B5EF4-FFF2-40B4-BE49-F238E27FC236}">
-                <a16:creationId xmlns:a16="http://schemas.microsoft.com/office/drawing/2014/main" id="{5A8AA817-9F05-0C8C-AB79-431A5D95DC0C}"/>
+                <a16:creationId xmlns:a16="http://schemas.microsoft.com/office/drawing/2014/main" id="{3AAEE7EE-BBEC-1751-49B0-7DA749CA158F}"/>
               </a:ext>
             </a:extLst>
           </p:cNvPr>
@@ -2373,7 +2373,7 @@
           <a:bodyPr/>
           <a:lstStyle/>
           <a:p>
-            <a:fld id="{92FA7B63-3422-4CE3-99FB-83E073D0F46F}" type="datetimeFigureOut">
+            <a:fld id="{99C97F75-CF6E-4AEA-ABC1-4015601C86F6}" type="datetimeFigureOut">
               <a:rPr lang="zh-CN" altLang="en-US" smtClean="0"/>
               <a:t>2024/3/10</a:t>
             </a:fld>
@@ -2386,7 +2386,7 @@
           <p:cNvPr id="6" name="页脚占位符 5">
             <a:extLst>
               <a:ext uri="{FF2B5EF4-FFF2-40B4-BE49-F238E27FC236}">
-                <a16:creationId xmlns:a16="http://schemas.microsoft.com/office/drawing/2014/main" id="{4CF47BFB-25F5-8CA7-3C32-9109D4159667}"/>
+                <a16:creationId xmlns:a16="http://schemas.microsoft.com/office/drawing/2014/main" id="{CB3207C1-994D-869A-2098-A74AC0397488}"/>
               </a:ext>
             </a:extLst>
           </p:cNvPr>
@@ -2411,7 +2411,7 @@
           <p:cNvPr id="7" name="灯片编号占位符 6">
             <a:extLst>
               <a:ext uri="{FF2B5EF4-FFF2-40B4-BE49-F238E27FC236}">
-                <a16:creationId xmlns:a16="http://schemas.microsoft.com/office/drawing/2014/main" id="{B7FD9A05-04BF-5507-D4EC-C34995FF4EE7}"/>
+                <a16:creationId xmlns:a16="http://schemas.microsoft.com/office/drawing/2014/main" id="{B4091B6A-84E3-D43D-1131-CD2DF49B5C3F}"/>
               </a:ext>
             </a:extLst>
           </p:cNvPr>
@@ -2427,7 +2427,7 @@
           <a:bodyPr/>
           <a:lstStyle/>
           <a:p>
-            <a:fld id="{01E2E43D-02CA-4044-A561-AA8F7316AD29}" type="slidenum">
+            <a:fld id="{38D03BDD-C581-43A4-A060-006ACC411FC1}" type="slidenum">
               <a:rPr lang="zh-CN" altLang="en-US" smtClean="0"/>
               <a:t>‹#›</a:t>
             </a:fld>
@@ -2438,7 +2438,7 @@
     </p:spTree>
     <p:extLst>
       <p:ext uri="{BB962C8B-B14F-4D97-AF65-F5344CB8AC3E}">
-        <p14:creationId xmlns:p14="http://schemas.microsoft.com/office/powerpoint/2010/main" val="283733982"/>
+        <p14:creationId xmlns:p14="http://schemas.microsoft.com/office/powerpoint/2010/main" val="867610740"/>
       </p:ext>
     </p:extLst>
   </p:cSld>
@@ -2470,7 +2470,7 @@
           <p:cNvPr id="2" name="标题 1">
             <a:extLst>
               <a:ext uri="{FF2B5EF4-FFF2-40B4-BE49-F238E27FC236}">
-                <a16:creationId xmlns:a16="http://schemas.microsoft.com/office/drawing/2014/main" id="{5F83052F-4247-2FF8-574A-FBC35B6DC87E}"/>
+                <a16:creationId xmlns:a16="http://schemas.microsoft.com/office/drawing/2014/main" id="{01B754BA-3352-9DF9-FD4D-EAC0F491EFAE}"/>
               </a:ext>
             </a:extLst>
           </p:cNvPr>
@@ -2507,7 +2507,7 @@
           <p:cNvPr id="3" name="图片占位符 2">
             <a:extLst>
               <a:ext uri="{FF2B5EF4-FFF2-40B4-BE49-F238E27FC236}">
-                <a16:creationId xmlns:a16="http://schemas.microsoft.com/office/drawing/2014/main" id="{625BC55B-AB35-C09D-7B9D-E68A964561B7}"/>
+                <a16:creationId xmlns:a16="http://schemas.microsoft.com/office/drawing/2014/main" id="{0C557A87-AD6E-A5CD-F6E8-397C209E00CA}"/>
               </a:ext>
             </a:extLst>
           </p:cNvPr>
@@ -2574,7 +2574,7 @@
           <p:cNvPr id="4" name="文本占位符 3">
             <a:extLst>
               <a:ext uri="{FF2B5EF4-FFF2-40B4-BE49-F238E27FC236}">
-                <a16:creationId xmlns:a16="http://schemas.microsoft.com/office/drawing/2014/main" id="{39C31280-7FDF-9F29-C76D-522C66424DBB}"/>
+                <a16:creationId xmlns:a16="http://schemas.microsoft.com/office/drawing/2014/main" id="{D72CD96E-7DB3-5ACA-6100-7D7C6E562D00}"/>
               </a:ext>
             </a:extLst>
           </p:cNvPr>
@@ -2645,7 +2645,7 @@
           <p:cNvPr id="5" name="日期占位符 4">
             <a:extLst>
               <a:ext uri="{FF2B5EF4-FFF2-40B4-BE49-F238E27FC236}">
-                <a16:creationId xmlns:a16="http://schemas.microsoft.com/office/drawing/2014/main" id="{826226B3-56A2-C620-4925-9263D6A81BD9}"/>
+                <a16:creationId xmlns:a16="http://schemas.microsoft.com/office/drawing/2014/main" id="{CF937DF5-B09A-8093-D7B4-47FC0D640CEB}"/>
               </a:ext>
             </a:extLst>
           </p:cNvPr>
@@ -2661,7 +2661,7 @@
           <a:bodyPr/>
           <a:lstStyle/>
           <a:p>
-            <a:fld id="{92FA7B63-3422-4CE3-99FB-83E073D0F46F}" type="datetimeFigureOut">
+            <a:fld id="{99C97F75-CF6E-4AEA-ABC1-4015601C86F6}" type="datetimeFigureOut">
               <a:rPr lang="zh-CN" altLang="en-US" smtClean="0"/>
               <a:t>2024/3/10</a:t>
             </a:fld>
@@ -2674,7 +2674,7 @@
           <p:cNvPr id="6" name="页脚占位符 5">
             <a:extLst>
               <a:ext uri="{FF2B5EF4-FFF2-40B4-BE49-F238E27FC236}">
-                <a16:creationId xmlns:a16="http://schemas.microsoft.com/office/drawing/2014/main" id="{620552F8-0E8D-E630-3533-E9BD111F07C3}"/>
+                <a16:creationId xmlns:a16="http://schemas.microsoft.com/office/drawing/2014/main" id="{FCB4757F-4408-1611-9C9E-4363A2B16AC8}"/>
               </a:ext>
             </a:extLst>
           </p:cNvPr>
@@ -2699,7 +2699,7 @@
           <p:cNvPr id="7" name="灯片编号占位符 6">
             <a:extLst>
               <a:ext uri="{FF2B5EF4-FFF2-40B4-BE49-F238E27FC236}">
-                <a16:creationId xmlns:a16="http://schemas.microsoft.com/office/drawing/2014/main" id="{B6EC0DE8-7A3D-CFDF-0B42-41C3BF93CA26}"/>
+                <a16:creationId xmlns:a16="http://schemas.microsoft.com/office/drawing/2014/main" id="{91F8033D-15BD-0FDD-FDFA-573F9D98AA34}"/>
               </a:ext>
             </a:extLst>
           </p:cNvPr>
@@ -2715,7 +2715,7 @@
           <a:bodyPr/>
           <a:lstStyle/>
           <a:p>
-            <a:fld id="{01E2E43D-02CA-4044-A561-AA8F7316AD29}" type="slidenum">
+            <a:fld id="{38D03BDD-C581-43A4-A060-006ACC411FC1}" type="slidenum">
               <a:rPr lang="zh-CN" altLang="en-US" smtClean="0"/>
               <a:t>‹#›</a:t>
             </a:fld>
@@ -2726,7 +2726,7 @@
     </p:spTree>
     <p:extLst>
       <p:ext uri="{BB962C8B-B14F-4D97-AF65-F5344CB8AC3E}">
-        <p14:creationId xmlns:p14="http://schemas.microsoft.com/office/powerpoint/2010/main" val="456380358"/>
+        <p14:creationId xmlns:p14="http://schemas.microsoft.com/office/powerpoint/2010/main" val="1875906112"/>
       </p:ext>
     </p:extLst>
   </p:cSld>
@@ -2763,7 +2763,7 @@
           <p:cNvPr id="2" name="标题占位符 1">
             <a:extLst>
               <a:ext uri="{FF2B5EF4-FFF2-40B4-BE49-F238E27FC236}">
-                <a16:creationId xmlns:a16="http://schemas.microsoft.com/office/drawing/2014/main" id="{0D92842C-BDFD-C6A2-DE2E-1818934EC1D9}"/>
+                <a16:creationId xmlns:a16="http://schemas.microsoft.com/office/drawing/2014/main" id="{26FAB817-A16E-82CD-92DD-16D93FE2F243}"/>
               </a:ext>
             </a:extLst>
           </p:cNvPr>
@@ -2801,7 +2801,7 @@
           <p:cNvPr id="3" name="文本占位符 2">
             <a:extLst>
               <a:ext uri="{FF2B5EF4-FFF2-40B4-BE49-F238E27FC236}">
-                <a16:creationId xmlns:a16="http://schemas.microsoft.com/office/drawing/2014/main" id="{015A1E62-E522-D983-61E9-D30289507535}"/>
+                <a16:creationId xmlns:a16="http://schemas.microsoft.com/office/drawing/2014/main" id="{E4B9CC4E-E38D-124B-92A0-EB55BBF80C79}"/>
               </a:ext>
             </a:extLst>
           </p:cNvPr>
@@ -2868,7 +2868,7 @@
           <p:cNvPr id="4" name="日期占位符 3">
             <a:extLst>
               <a:ext uri="{FF2B5EF4-FFF2-40B4-BE49-F238E27FC236}">
-                <a16:creationId xmlns:a16="http://schemas.microsoft.com/office/drawing/2014/main" id="{DA51278B-BB90-F5D9-4637-F6831D6C6F35}"/>
+                <a16:creationId xmlns:a16="http://schemas.microsoft.com/office/drawing/2014/main" id="{B3F66CB8-1522-10A6-4281-73676622CA6B}"/>
               </a:ext>
             </a:extLst>
           </p:cNvPr>
@@ -2902,7 +2902,7 @@
             </a:lvl1pPr>
           </a:lstStyle>
           <a:p>
-            <a:fld id="{92FA7B63-3422-4CE3-99FB-83E073D0F46F}" type="datetimeFigureOut">
+            <a:fld id="{99C97F75-CF6E-4AEA-ABC1-4015601C86F6}" type="datetimeFigureOut">
               <a:rPr lang="zh-CN" altLang="en-US" smtClean="0"/>
               <a:t>2024/3/10</a:t>
             </a:fld>
@@ -2915,7 +2915,7 @@
           <p:cNvPr id="5" name="页脚占位符 4">
             <a:extLst>
               <a:ext uri="{FF2B5EF4-FFF2-40B4-BE49-F238E27FC236}">
-                <a16:creationId xmlns:a16="http://schemas.microsoft.com/office/drawing/2014/main" id="{3B593476-6710-0273-81BA-F6A603D3C28B}"/>
+                <a16:creationId xmlns:a16="http://schemas.microsoft.com/office/drawing/2014/main" id="{99A17588-5459-C63E-AF56-0A036A654C89}"/>
               </a:ext>
             </a:extLst>
           </p:cNvPr>
@@ -2958,7 +2958,7 @@
           <p:cNvPr id="6" name="灯片编号占位符 5">
             <a:extLst>
               <a:ext uri="{FF2B5EF4-FFF2-40B4-BE49-F238E27FC236}">
-                <a16:creationId xmlns:a16="http://schemas.microsoft.com/office/drawing/2014/main" id="{AB076485-8BFC-D9E2-627F-412290A4BDBA}"/>
+                <a16:creationId xmlns:a16="http://schemas.microsoft.com/office/drawing/2014/main" id="{308750B6-374C-49DD-D17F-E47655523A74}"/>
               </a:ext>
             </a:extLst>
           </p:cNvPr>
@@ -2992,7 +2992,7 @@
             </a:lvl1pPr>
           </a:lstStyle>
           <a:p>
-            <a:fld id="{01E2E43D-02CA-4044-A561-AA8F7316AD29}" type="slidenum">
+            <a:fld id="{38D03BDD-C581-43A4-A060-006ACC411FC1}" type="slidenum">
               <a:rPr lang="zh-CN" altLang="en-US" smtClean="0"/>
               <a:t>‹#›</a:t>
             </a:fld>
@@ -3003,7 +3003,7 @@
     </p:spTree>
     <p:extLst>
       <p:ext uri="{BB962C8B-B14F-4D97-AF65-F5344CB8AC3E}">
-        <p14:creationId xmlns:p14="http://schemas.microsoft.com/office/powerpoint/2010/main" val="52124396"/>
+        <p14:creationId xmlns:p14="http://schemas.microsoft.com/office/powerpoint/2010/main" val="3977061505"/>
       </p:ext>
     </p:extLst>
   </p:cSld>
@@ -3323,7 +3323,7 @@
       </p:grpSpPr>
       <p:pic>
         <p:nvPicPr>
-          <p:cNvPr id="1000450" name="Picture 2" descr="976"/>
+          <p:cNvPr id="1001474" name="Picture 2" descr="977"/>
           <p:cNvPicPr>
             <a:picLocks noChangeAspect="1" noChangeArrowheads="1"/>
           </p:cNvPicPr>
@@ -3345,7 +3345,7 @@
         <p:spPr bwMode="auto">
           <a:xfrm>
             <a:off x="1524000" y="0"/>
-            <a:ext cx="9144000" cy="4724400"/>
+            <a:ext cx="9144000" cy="6858000"/>
           </a:xfrm>
           <a:prstGeom prst="rect">
             <a:avLst/>
@@ -3375,11 +3375,158 @@
           </a:extLst>
         </p:spPr>
       </p:pic>
+      <p:pic>
+        <p:nvPicPr>
+          <p:cNvPr id="1002499" name="Picture 3" descr="977-2"/>
+          <p:cNvPicPr>
+            <a:picLocks noChangeAspect="1" noChangeArrowheads="1"/>
+          </p:cNvPicPr>
+          <p:nvPr/>
+        </p:nvPicPr>
+        <p:blipFill>
+          <a:blip r:embed="rId3">
+            <a:extLst>
+              <a:ext uri="{28A0092B-C50C-407E-A947-70E740481C1C}">
+                <a14:useLocalDpi xmlns:a14="http://schemas.microsoft.com/office/drawing/2010/main" val="0"/>
+              </a:ext>
+            </a:extLst>
+          </a:blip>
+          <a:srcRect/>
+          <a:stretch>
+            <a:fillRect/>
+          </a:stretch>
+        </p:blipFill>
+        <p:spPr bwMode="auto">
+          <a:xfrm>
+            <a:off x="1524000" y="0"/>
+            <a:ext cx="9144000" cy="6858000"/>
+          </a:xfrm>
+          <a:prstGeom prst="rect">
+            <a:avLst/>
+          </a:prstGeom>
+          <a:noFill/>
+          <a:ln>
+            <a:noFill/>
+          </a:ln>
+          <a:effectLst/>
+          <a:extLst>
+            <a:ext uri="{909E8E84-426E-40DD-AFC4-6F175D3DCCD1}">
+              <a14:hiddenFill xmlns:a14="http://schemas.microsoft.com/office/drawing/2010/main">
+                <a:solidFill>
+                  <a:srgbClr val="FFFFFF"/>
+                </a:solidFill>
+              </a14:hiddenFill>
+            </a:ext>
+            <a:ext uri="{91240B29-F687-4F45-9708-019B960494DF}">
+              <a14:hiddenLine xmlns:a14="http://schemas.microsoft.com/office/drawing/2010/main" w="9525">
+                <a:solidFill>
+                  <a:srgbClr val="000000"/>
+                </a:solidFill>
+                <a:miter lim="800000"/>
+                <a:headEnd/>
+                <a:tailEnd/>
+              </a14:hiddenLine>
+            </a:ext>
+            <a:ext uri="{AF507438-7753-43E0-B8FC-AC1667EBCBE1}">
+              <a14:hiddenEffects xmlns:a14="http://schemas.microsoft.com/office/drawing/2010/main">
+                <a:effectLst>
+                  <a:outerShdw dist="35921" dir="2700000" algn="ctr" rotWithShape="0">
+                    <a:srgbClr val="808080"/>
+                  </a:outerShdw>
+                </a:effectLst>
+              </a14:hiddenEffects>
+            </a:ext>
+          </a:extLst>
+        </p:spPr>
+      </p:pic>
     </p:spTree>
   </p:cSld>
   <p:clrMapOvr>
     <a:masterClrMapping/>
   </p:clrMapOvr>
+  <p:timing>
+    <p:tnLst>
+      <p:par>
+        <p:cTn id="1" dur="indefinite" restart="never" nodeType="tmRoot">
+          <p:childTnLst>
+            <p:seq concurrent="1" nextAc="seek">
+              <p:cTn id="2" dur="indefinite" nodeType="mainSeq">
+                <p:childTnLst>
+                  <p:par>
+                    <p:cTn id="3" fill="hold" nodeType="clickPar">
+                      <p:stCondLst>
+                        <p:cond delay="indefinite"/>
+                      </p:stCondLst>
+                      <p:childTnLst>
+                        <p:par>
+                          <p:cTn id="4" fill="hold" nodeType="withGroup">
+                            <p:stCondLst>
+                              <p:cond delay="0"/>
+                            </p:stCondLst>
+                            <p:childTnLst>
+                              <p:par>
+                                <p:cTn id="5" presetID="10" presetClass="entr" presetSubtype="0" fill="hold" nodeType="clickEffect">
+                                  <p:stCondLst>
+                                    <p:cond delay="0"/>
+                                  </p:stCondLst>
+                                  <p:childTnLst>
+                                    <p:set>
+                                      <p:cBhvr>
+                                        <p:cTn id="6" dur="1" fill="hold">
+                                          <p:stCondLst>
+                                            <p:cond delay="0"/>
+                                          </p:stCondLst>
+                                        </p:cTn>
+                                        <p:tgtEl>
+                                          <p:spTgt spid="1002499"/>
+                                        </p:tgtEl>
+                                        <p:attrNameLst>
+                                          <p:attrName>style.visibility</p:attrName>
+                                        </p:attrNameLst>
+                                      </p:cBhvr>
+                                      <p:to>
+                                        <p:strVal val="visible"/>
+                                      </p:to>
+                                    </p:set>
+                                    <p:animEffect transition="in" filter="fade">
+                                      <p:cBhvr>
+                                        <p:cTn id="7" dur="500"/>
+                                        <p:tgtEl>
+                                          <p:spTgt spid="1002499"/>
+                                        </p:tgtEl>
+                                      </p:cBhvr>
+                                    </p:animEffect>
+                                  </p:childTnLst>
+                                </p:cTn>
+                              </p:par>
+                            </p:childTnLst>
+                          </p:cTn>
+                        </p:par>
+                      </p:childTnLst>
+                    </p:cTn>
+                  </p:par>
+                </p:childTnLst>
+              </p:cTn>
+              <p:prevCondLst>
+                <p:cond evt="onPrev" delay="0">
+                  <p:tgtEl>
+                    <p:sldTgt/>
+                  </p:tgtEl>
+                </p:cond>
+              </p:prevCondLst>
+              <p:nextCondLst>
+                <p:cond evt="onNext" delay="0">
+                  <p:tgtEl>
+                    <p:sldTgt/>
+                  </p:tgtEl>
+                </p:cond>
+              </p:nextCondLst>
+            </p:seq>
+          </p:childTnLst>
+        </p:cTn>
+      </p:par>
+    </p:tnLst>
+  </p:timing>
 </p:sld>
 </file>
 
